--- a/001. 세미나 자료/02.2015/03. 3차시/20150305_KimHyemin_parallel_matrix_multiplyer_result.pptx
+++ b/001. 세미나 자료/02.2015/03. 3차시/20150305_KimHyemin_parallel_matrix_multiplyer_result.pptx
@@ -3949,7 +3949,7 @@
                 <a:latin typeface="HY견고딕" panose="02030600000101010101" pitchFamily="18" charset="-127"/>
                 <a:ea typeface="HY견고딕" panose="02030600000101010101" pitchFamily="18" charset="-127"/>
               </a:rPr>
-              <a:t>20% </a:t>
+              <a:t>17% </a:t>
             </a:r>
             <a:r>
               <a:rPr lang="ko-KR" altLang="en-US" dirty="0" smtClean="0">
